--- a/lectures/week_6_distributions/ex6_rev_distributions.pptx
+++ b/lectures/week_6_distributions/ex6_rev_distributions.pptx
@@ -9,7 +9,7 @@
   </p:notesMasterIdLst>
   <p:sldIdLst>
     <p:sldId id="256" r:id="rId2"/>
-    <p:sldId id="283" r:id="rId3"/>
+    <p:sldId id="295" r:id="rId3"/>
     <p:sldId id="258" r:id="rId4"/>
     <p:sldId id="259" r:id="rId5"/>
     <p:sldId id="257" r:id="rId6"/>
@@ -201,7 +201,7 @@
           <a:p>
             <a:fld id="{B16F72E9-376B-FB40-B6A5-33EF34EDADFB}" type="datetimeFigureOut">
               <a:rPr lang="en-US" smtClean="0"/>
-              <a:t>2/18/20</a:t>
+              <a:t>2/22/22</a:t>
             </a:fld>
             <a:endParaRPr lang="en-US"/>
           </a:p>
@@ -542,7 +542,7 @@
     </p:spTree>
     <p:extLst>
       <p:ext uri="{BB962C8B-B14F-4D97-AF65-F5344CB8AC3E}">
-        <p14:creationId xmlns:p14="http://schemas.microsoft.com/office/powerpoint/2010/main" val="868076646"/>
+        <p14:creationId xmlns:p14="http://schemas.microsoft.com/office/powerpoint/2010/main" val="2006532127"/>
       </p:ext>
     </p:extLst>
   </p:cSld>
@@ -681,7 +681,7 @@
           <a:p>
             <a:fld id="{3DA3D352-7221-F147-996D-DAA8FC8F9D40}" type="datetimeFigureOut">
               <a:rPr lang="en-US" smtClean="0"/>
-              <a:t>2/18/20</a:t>
+              <a:t>2/22/22</a:t>
             </a:fld>
             <a:endParaRPr lang="en-US"/>
           </a:p>
@@ -849,7 +849,7 @@
           <a:p>
             <a:fld id="{3DA3D352-7221-F147-996D-DAA8FC8F9D40}" type="datetimeFigureOut">
               <a:rPr lang="en-US" smtClean="0"/>
-              <a:t>2/18/20</a:t>
+              <a:t>2/22/22</a:t>
             </a:fld>
             <a:endParaRPr lang="en-US"/>
           </a:p>
@@ -1027,7 +1027,7 @@
           <a:p>
             <a:fld id="{3DA3D352-7221-F147-996D-DAA8FC8F9D40}" type="datetimeFigureOut">
               <a:rPr lang="en-US" smtClean="0"/>
-              <a:t>2/18/20</a:t>
+              <a:t>2/22/22</a:t>
             </a:fld>
             <a:endParaRPr lang="en-US"/>
           </a:p>
@@ -1195,7 +1195,7 @@
           <a:p>
             <a:fld id="{3DA3D352-7221-F147-996D-DAA8FC8F9D40}" type="datetimeFigureOut">
               <a:rPr lang="en-US" smtClean="0"/>
-              <a:t>2/18/20</a:t>
+              <a:t>2/22/22</a:t>
             </a:fld>
             <a:endParaRPr lang="en-US"/>
           </a:p>
@@ -1440,7 +1440,7 @@
           <a:p>
             <a:fld id="{3DA3D352-7221-F147-996D-DAA8FC8F9D40}" type="datetimeFigureOut">
               <a:rPr lang="en-US" smtClean="0"/>
-              <a:t>2/18/20</a:t>
+              <a:t>2/22/22</a:t>
             </a:fld>
             <a:endParaRPr lang="en-US"/>
           </a:p>
@@ -1669,7 +1669,7 @@
           <a:p>
             <a:fld id="{3DA3D352-7221-F147-996D-DAA8FC8F9D40}" type="datetimeFigureOut">
               <a:rPr lang="en-US" smtClean="0"/>
-              <a:t>2/18/20</a:t>
+              <a:t>2/22/22</a:t>
             </a:fld>
             <a:endParaRPr lang="en-US"/>
           </a:p>
@@ -2033,7 +2033,7 @@
           <a:p>
             <a:fld id="{3DA3D352-7221-F147-996D-DAA8FC8F9D40}" type="datetimeFigureOut">
               <a:rPr lang="en-US" smtClean="0"/>
-              <a:t>2/18/20</a:t>
+              <a:t>2/22/22</a:t>
             </a:fld>
             <a:endParaRPr lang="en-US"/>
           </a:p>
@@ -2150,7 +2150,7 @@
           <a:p>
             <a:fld id="{3DA3D352-7221-F147-996D-DAA8FC8F9D40}" type="datetimeFigureOut">
               <a:rPr lang="en-US" smtClean="0"/>
-              <a:t>2/18/20</a:t>
+              <a:t>2/22/22</a:t>
             </a:fld>
             <a:endParaRPr lang="en-US"/>
           </a:p>
@@ -2245,7 +2245,7 @@
           <a:p>
             <a:fld id="{3DA3D352-7221-F147-996D-DAA8FC8F9D40}" type="datetimeFigureOut">
               <a:rPr lang="en-US" smtClean="0"/>
-              <a:t>2/18/20</a:t>
+              <a:t>2/22/22</a:t>
             </a:fld>
             <a:endParaRPr lang="en-US"/>
           </a:p>
@@ -2520,7 +2520,7 @@
           <a:p>
             <a:fld id="{3DA3D352-7221-F147-996D-DAA8FC8F9D40}" type="datetimeFigureOut">
               <a:rPr lang="en-US" smtClean="0"/>
-              <a:t>2/18/20</a:t>
+              <a:t>2/22/22</a:t>
             </a:fld>
             <a:endParaRPr lang="en-US"/>
           </a:p>
@@ -2772,7 +2772,7 @@
           <a:p>
             <a:fld id="{3DA3D352-7221-F147-996D-DAA8FC8F9D40}" type="datetimeFigureOut">
               <a:rPr lang="en-US" smtClean="0"/>
-              <a:t>2/18/20</a:t>
+              <a:t>2/22/22</a:t>
             </a:fld>
             <a:endParaRPr lang="en-US"/>
           </a:p>
@@ -2983,7 +2983,7 @@
           <a:p>
             <a:fld id="{3DA3D352-7221-F147-996D-DAA8FC8F9D40}" type="datetimeFigureOut">
               <a:rPr lang="en-US" smtClean="0"/>
-              <a:t>2/18/20</a:t>
+              <a:t>2/22/22</a:t>
             </a:fld>
             <a:endParaRPr lang="en-US"/>
           </a:p>
@@ -3516,28 +3516,69 @@
         </p:nvSpPr>
         <p:spPr/>
         <p:txBody>
-          <a:bodyPr/>
-          <a:lstStyle/>
-          <a:p>
-            <a:r>
-              <a:rPr lang="en-US" dirty="0"/>
-              <a:t>Next week:</a:t>
+          <a:bodyPr>
+            <a:normAutofit/>
+          </a:bodyPr>
+          <a:lstStyle/>
+          <a:p>
+            <a:r>
+              <a:rPr lang="en-US" dirty="0"/>
+              <a:t>Schedule:</a:t>
             </a:r>
           </a:p>
           <a:p>
             <a:pPr lvl="1"/>
             <a:r>
               <a:rPr lang="en-US" dirty="0"/>
-              <a:t>Tuesday class </a:t>
+              <a:t>Tues Feb 22</a:t>
+            </a:r>
+            <a:r>
+              <a:rPr lang="en-US" baseline="30000" dirty="0"/>
+              <a:t>rd</a:t>
+            </a:r>
+            <a:r>
+              <a:rPr lang="en-US" dirty="0"/>
+              <a:t>: Distributions; Thursday Feb 24</a:t>
+            </a:r>
+            <a:r>
+              <a:rPr lang="en-US" baseline="30000" dirty="0"/>
+              <a:t>th</a:t>
+            </a:r>
+            <a:r>
+              <a:rPr lang="en-US" dirty="0"/>
+              <a:t> : Exercises and Practice (No assignment – quiz!)</a:t>
+            </a:r>
+          </a:p>
+          <a:p>
+            <a:pPr lvl="1"/>
+            <a:r>
+              <a:rPr lang="en-US" dirty="0"/>
+              <a:t>Tuesday March 1</a:t>
+            </a:r>
+            <a:r>
+              <a:rPr lang="en-US" baseline="30000" dirty="0"/>
+              <a:t>st</a:t>
+            </a:r>
+            <a:r>
+              <a:rPr lang="en-US" dirty="0"/>
+              <a:t> </a:t>
             </a:r>
             <a:r>
               <a:rPr lang="en-US" b="1" dirty="0"/>
-              <a:t>will not be held</a:t>
-            </a:r>
-            <a:br>
-              <a:rPr lang="en-US" b="1" dirty="0"/>
-            </a:br>
-            <a:endParaRPr lang="en-US" dirty="0"/>
+              <a:t>Dr. Josef Uyeda, </a:t>
+            </a:r>
+            <a:r>
+              <a:rPr lang="en-US" dirty="0"/>
+              <a:t>Thurs Mar 3</a:t>
+            </a:r>
+            <a:r>
+              <a:rPr lang="en-US" baseline="30000" dirty="0"/>
+              <a:t>rd</a:t>
+            </a:r>
+            <a:r>
+              <a:rPr lang="en-US" dirty="0"/>
+              <a:t> – no class</a:t>
+            </a:r>
           </a:p>
           <a:p>
             <a:pPr lvl="1"/>
@@ -3562,24 +3603,17 @@
             </a:r>
           </a:p>
           <a:p>
-            <a:pPr lvl="3"/>
-            <a:r>
-              <a:rPr lang="en-US" dirty="0"/>
-              <a:t>There is a short quiz activity on canvas</a:t>
-            </a:r>
-          </a:p>
-          <a:p>
-            <a:pPr lvl="3"/>
-            <a:r>
-              <a:rPr lang="en-US" b="1" dirty="0"/>
-              <a:t>Complete the quiz by Wednesday evening at 11:59 PM</a:t>
-            </a:r>
-          </a:p>
-          <a:p>
             <a:pPr lvl="2"/>
             <a:r>
               <a:rPr lang="en-US" dirty="0"/>
-              <a:t>2) </a:t>
+              <a:t>2) Take quiz (after reading chapter, open book)</a:t>
+            </a:r>
+          </a:p>
+          <a:p>
+            <a:pPr lvl="2"/>
+            <a:r>
+              <a:rPr lang="en-US" dirty="0"/>
+              <a:t>3) Read </a:t>
             </a:r>
             <a:r>
               <a:rPr lang="en-US" dirty="0" err="1"/>
@@ -3591,31 +3625,45 @@
             </a:r>
           </a:p>
           <a:p>
-            <a:pPr marL="914400" lvl="2" indent="0">
-              <a:buNone/>
-            </a:pPr>
+            <a:pPr lvl="1"/>
+            <a:r>
+              <a:rPr lang="en-US" dirty="0"/>
+              <a:t>Tuesday Mar 15</a:t>
+            </a:r>
+            <a:r>
+              <a:rPr lang="en-US" baseline="30000" dirty="0"/>
+              <a:t>th</a:t>
+            </a:r>
+            <a:r>
+              <a:rPr lang="en-US" dirty="0"/>
+              <a:t>: recorded lecture</a:t>
+            </a:r>
+          </a:p>
+          <a:p>
+            <a:pPr lvl="1"/>
+            <a:r>
+              <a:rPr lang="en-US" dirty="0"/>
+              <a:t>Thurs Mar 17</a:t>
+            </a:r>
+            <a:r>
+              <a:rPr lang="en-US" baseline="30000" dirty="0"/>
+              <a:t>th</a:t>
+            </a:r>
+            <a:r>
+              <a:rPr lang="en-US" dirty="0"/>
+              <a:t>: meet at usual</a:t>
+            </a:r>
             <a:br>
-              <a:rPr lang="en-US" dirty="0"/>
+              <a:rPr lang="en-US" b="1" u="sng" dirty="0"/>
             </a:br>
-            <a:endParaRPr lang="en-US" dirty="0"/>
-          </a:p>
-          <a:p>
-            <a:pPr lvl="1"/>
-            <a:r>
-              <a:rPr lang="en-US" dirty="0"/>
-              <a:t>Thursday class: Dr. Josef Uyeda discussing working with phylogenies in R</a:t>
-            </a:r>
-            <a:br>
-              <a:rPr lang="en-US" dirty="0"/>
-            </a:br>
-            <a:endParaRPr lang="en-US" dirty="0"/>
+            <a:endParaRPr lang="en-US" b="1" u="sng" dirty="0"/>
           </a:p>
         </p:txBody>
       </p:sp>
     </p:spTree>
     <p:extLst>
       <p:ext uri="{BB962C8B-B14F-4D97-AF65-F5344CB8AC3E}">
-        <p14:creationId xmlns:p14="http://schemas.microsoft.com/office/powerpoint/2010/main" val="744812779"/>
+        <p14:creationId xmlns:p14="http://schemas.microsoft.com/office/powerpoint/2010/main" val="3051622381"/>
       </p:ext>
     </p:extLst>
   </p:cSld>
@@ -4161,22 +4209,7 @@
           <a:p>
             <a:r>
               <a:rPr lang="en-US" dirty="0"/>
-              <a:t>Distributions </a:t>
-            </a:r>
-            <a:r>
-              <a:rPr lang="mr-IN" dirty="0"/>
-              <a:t>–</a:t>
-            </a:r>
-            <a:r>
-              <a:rPr lang="en-US" dirty="0"/>
-              <a:t>Assignment</a:t>
-            </a:r>
-            <a:br>
-              <a:rPr lang="en-US" dirty="0"/>
-            </a:br>
-            <a:r>
-              <a:rPr lang="en-US" dirty="0"/>
-              <a:t>Due Wed March 13</a:t>
+              <a:t>Distributions Practice (do not turn in)</a:t>
             </a:r>
           </a:p>
         </p:txBody>
